--- a/substitutability_maize_quadrant_full_5.0.pptx
+++ b/substitutability_maize_quadrant_full_5.0.pptx
@@ -241,7 +241,7 @@
           <a:p>
             <a:fld id="{B4F1BE71-D697-4FA9-9464-5030FED053B9}" type="datetimeFigureOut">
               <a:rPr lang="fr-FR" smtClean="0"/>
-              <a:t>23/10/2024</a:t>
+              <a:t>17/02/2025</a:t>
             </a:fld>
             <a:endParaRPr lang="fr-FR"/>
           </a:p>
@@ -409,7 +409,7 @@
           <a:p>
             <a:fld id="{B4F1BE71-D697-4FA9-9464-5030FED053B9}" type="datetimeFigureOut">
               <a:rPr lang="fr-FR" smtClean="0"/>
-              <a:t>23/10/2024</a:t>
+              <a:t>17/02/2025</a:t>
             </a:fld>
             <a:endParaRPr lang="fr-FR"/>
           </a:p>
@@ -587,7 +587,7 @@
           <a:p>
             <a:fld id="{B4F1BE71-D697-4FA9-9464-5030FED053B9}" type="datetimeFigureOut">
               <a:rPr lang="fr-FR" smtClean="0"/>
-              <a:t>23/10/2024</a:t>
+              <a:t>17/02/2025</a:t>
             </a:fld>
             <a:endParaRPr lang="fr-FR"/>
           </a:p>
@@ -755,7 +755,7 @@
           <a:p>
             <a:fld id="{B4F1BE71-D697-4FA9-9464-5030FED053B9}" type="datetimeFigureOut">
               <a:rPr lang="fr-FR" smtClean="0"/>
-              <a:t>23/10/2024</a:t>
+              <a:t>17/02/2025</a:t>
             </a:fld>
             <a:endParaRPr lang="fr-FR"/>
           </a:p>
@@ -1000,7 +1000,7 @@
           <a:p>
             <a:fld id="{B4F1BE71-D697-4FA9-9464-5030FED053B9}" type="datetimeFigureOut">
               <a:rPr lang="fr-FR" smtClean="0"/>
-              <a:t>23/10/2024</a:t>
+              <a:t>17/02/2025</a:t>
             </a:fld>
             <a:endParaRPr lang="fr-FR"/>
           </a:p>
@@ -1229,7 +1229,7 @@
           <a:p>
             <a:fld id="{B4F1BE71-D697-4FA9-9464-5030FED053B9}" type="datetimeFigureOut">
               <a:rPr lang="fr-FR" smtClean="0"/>
-              <a:t>23/10/2024</a:t>
+              <a:t>17/02/2025</a:t>
             </a:fld>
             <a:endParaRPr lang="fr-FR"/>
           </a:p>
@@ -1593,7 +1593,7 @@
           <a:p>
             <a:fld id="{B4F1BE71-D697-4FA9-9464-5030FED053B9}" type="datetimeFigureOut">
               <a:rPr lang="fr-FR" smtClean="0"/>
-              <a:t>23/10/2024</a:t>
+              <a:t>17/02/2025</a:t>
             </a:fld>
             <a:endParaRPr lang="fr-FR"/>
           </a:p>
@@ -1710,7 +1710,7 @@
           <a:p>
             <a:fld id="{B4F1BE71-D697-4FA9-9464-5030FED053B9}" type="datetimeFigureOut">
               <a:rPr lang="fr-FR" smtClean="0"/>
-              <a:t>23/10/2024</a:t>
+              <a:t>17/02/2025</a:t>
             </a:fld>
             <a:endParaRPr lang="fr-FR"/>
           </a:p>
@@ -1805,7 +1805,7 @@
           <a:p>
             <a:fld id="{B4F1BE71-D697-4FA9-9464-5030FED053B9}" type="datetimeFigureOut">
               <a:rPr lang="fr-FR" smtClean="0"/>
-              <a:t>23/10/2024</a:t>
+              <a:t>17/02/2025</a:t>
             </a:fld>
             <a:endParaRPr lang="fr-FR"/>
           </a:p>
@@ -2080,7 +2080,7 @@
           <a:p>
             <a:fld id="{B4F1BE71-D697-4FA9-9464-5030FED053B9}" type="datetimeFigureOut">
               <a:rPr lang="fr-FR" smtClean="0"/>
-              <a:t>23/10/2024</a:t>
+              <a:t>17/02/2025</a:t>
             </a:fld>
             <a:endParaRPr lang="fr-FR"/>
           </a:p>
@@ -2332,7 +2332,7 @@
           <a:p>
             <a:fld id="{B4F1BE71-D697-4FA9-9464-5030FED053B9}" type="datetimeFigureOut">
               <a:rPr lang="fr-FR" smtClean="0"/>
-              <a:t>23/10/2024</a:t>
+              <a:t>17/02/2025</a:t>
             </a:fld>
             <a:endParaRPr lang="fr-FR"/>
           </a:p>
@@ -2543,7 +2543,7 @@
           <a:p>
             <a:fld id="{B4F1BE71-D697-4FA9-9464-5030FED053B9}" type="datetimeFigureOut">
               <a:rPr lang="fr-FR" smtClean="0"/>
-              <a:t>23/10/2024</a:t>
+              <a:t>17/02/2025</a:t>
             </a:fld>
             <a:endParaRPr lang="fr-FR"/>
           </a:p>
@@ -3280,8 +3280,12 @@
           <a:p>
             <a:pPr algn="ctr"/>
             <a:r>
+              <a:rPr lang="fr-FR" b="1"/>
+              <a:t>RFS2 </a:t>
+            </a:r>
+            <a:r>
               <a:rPr lang="fr-FR" b="1" dirty="0"/>
-              <a:t>RFS mandates</a:t>
+              <a:t>mandates</a:t>
             </a:r>
             <a:endParaRPr lang="fr-FR" dirty="0"/>
           </a:p>
